--- a/WebProject.pptx
+++ b/WebProject.pptx
@@ -7,10 +7,9 @@
   <p:sldIdLst>
     <p:sldId id="257" r:id="rId2"/>
     <p:sldId id="258" r:id="rId3"/>
-    <p:sldId id="259" r:id="rId4"/>
-    <p:sldId id="261" r:id="rId5"/>
-    <p:sldId id="260" r:id="rId6"/>
-    <p:sldId id="262" r:id="rId7"/>
+    <p:sldId id="261" r:id="rId4"/>
+    <p:sldId id="260" r:id="rId5"/>
+    <p:sldId id="262" r:id="rId6"/>
   </p:sldIdLst>
   <p:sldSz cx="12192000" cy="6858000"/>
   <p:notesSz cx="6858000" cy="9144000"/>
@@ -109,6 +108,11 @@
       </a:defRPr>
     </a:lvl9pPr>
   </p:defaultTextStyle>
+  <p:extLst>
+    <p:ext uri="{EFAFB233-063F-42B5-8137-9DF3F51BA10A}">
+      <p15:sldGuideLst xmlns:p15="http://schemas.microsoft.com/office/powerpoint/2012/main"/>
+    </p:ext>
+  </p:extLst>
 </p:presentation>
 </file>
 
@@ -243,7 +247,7 @@
           <a:p>
             <a:fld id="{05D190EB-9B5F-4400-AE04-E95F9D6C71D8}" type="datetimeFigureOut">
               <a:rPr lang="ru-RU" smtClean="0"/>
-              <a:t>16.04.2023</a:t>
+              <a:t>19.04.2023</a:t>
             </a:fld>
             <a:endParaRPr lang="ru-RU"/>
           </a:p>
@@ -413,7 +417,7 @@
           <a:p>
             <a:fld id="{05D190EB-9B5F-4400-AE04-E95F9D6C71D8}" type="datetimeFigureOut">
               <a:rPr lang="ru-RU" smtClean="0"/>
-              <a:t>16.04.2023</a:t>
+              <a:t>19.04.2023</a:t>
             </a:fld>
             <a:endParaRPr lang="ru-RU"/>
           </a:p>
@@ -593,7 +597,7 @@
           <a:p>
             <a:fld id="{05D190EB-9B5F-4400-AE04-E95F9D6C71D8}" type="datetimeFigureOut">
               <a:rPr lang="ru-RU" smtClean="0"/>
-              <a:t>16.04.2023</a:t>
+              <a:t>19.04.2023</a:t>
             </a:fld>
             <a:endParaRPr lang="ru-RU"/>
           </a:p>
@@ -763,7 +767,7 @@
           <a:p>
             <a:fld id="{05D190EB-9B5F-4400-AE04-E95F9D6C71D8}" type="datetimeFigureOut">
               <a:rPr lang="ru-RU" smtClean="0"/>
-              <a:t>16.04.2023</a:t>
+              <a:t>19.04.2023</a:t>
             </a:fld>
             <a:endParaRPr lang="ru-RU"/>
           </a:p>
@@ -1009,7 +1013,7 @@
           <a:p>
             <a:fld id="{05D190EB-9B5F-4400-AE04-E95F9D6C71D8}" type="datetimeFigureOut">
               <a:rPr lang="ru-RU" smtClean="0"/>
-              <a:t>16.04.2023</a:t>
+              <a:t>19.04.2023</a:t>
             </a:fld>
             <a:endParaRPr lang="ru-RU"/>
           </a:p>
@@ -1241,7 +1245,7 @@
           <a:p>
             <a:fld id="{05D190EB-9B5F-4400-AE04-E95F9D6C71D8}" type="datetimeFigureOut">
               <a:rPr lang="ru-RU" smtClean="0"/>
-              <a:t>16.04.2023</a:t>
+              <a:t>19.04.2023</a:t>
             </a:fld>
             <a:endParaRPr lang="ru-RU"/>
           </a:p>
@@ -1608,7 +1612,7 @@
           <a:p>
             <a:fld id="{05D190EB-9B5F-4400-AE04-E95F9D6C71D8}" type="datetimeFigureOut">
               <a:rPr lang="ru-RU" smtClean="0"/>
-              <a:t>16.04.2023</a:t>
+              <a:t>19.04.2023</a:t>
             </a:fld>
             <a:endParaRPr lang="ru-RU"/>
           </a:p>
@@ -1726,7 +1730,7 @@
           <a:p>
             <a:fld id="{05D190EB-9B5F-4400-AE04-E95F9D6C71D8}" type="datetimeFigureOut">
               <a:rPr lang="ru-RU" smtClean="0"/>
-              <a:t>16.04.2023</a:t>
+              <a:t>19.04.2023</a:t>
             </a:fld>
             <a:endParaRPr lang="ru-RU"/>
           </a:p>
@@ -1821,7 +1825,7 @@
           <a:p>
             <a:fld id="{05D190EB-9B5F-4400-AE04-E95F9D6C71D8}" type="datetimeFigureOut">
               <a:rPr lang="ru-RU" smtClean="0"/>
-              <a:t>16.04.2023</a:t>
+              <a:t>19.04.2023</a:t>
             </a:fld>
             <a:endParaRPr lang="ru-RU"/>
           </a:p>
@@ -2098,7 +2102,7 @@
           <a:p>
             <a:fld id="{05D190EB-9B5F-4400-AE04-E95F9D6C71D8}" type="datetimeFigureOut">
               <a:rPr lang="ru-RU" smtClean="0"/>
-              <a:t>16.04.2023</a:t>
+              <a:t>19.04.2023</a:t>
             </a:fld>
             <a:endParaRPr lang="ru-RU"/>
           </a:p>
@@ -2351,7 +2355,7 @@
           <a:p>
             <a:fld id="{05D190EB-9B5F-4400-AE04-E95F9D6C71D8}" type="datetimeFigureOut">
               <a:rPr lang="ru-RU" smtClean="0"/>
-              <a:t>16.04.2023</a:t>
+              <a:t>19.04.2023</a:t>
             </a:fld>
             <a:endParaRPr lang="ru-RU"/>
           </a:p>
@@ -2564,7 +2568,7 @@
           <a:p>
             <a:fld id="{05D190EB-9B5F-4400-AE04-E95F9D6C71D8}" type="datetimeFigureOut">
               <a:rPr lang="ru-RU" smtClean="0"/>
-              <a:t>16.04.2023</a:t>
+              <a:t>19.04.2023</a:t>
             </a:fld>
             <a:endParaRPr lang="ru-RU"/>
           </a:p>
@@ -2982,10 +2986,14 @@
         <p:spPr/>
         <p:txBody>
           <a:bodyPr>
-            <a:normAutofit/>
+            <a:normAutofit fontScale="90000"/>
           </a:bodyPr>
           <a:lstStyle/>
           <a:p>
+            <a:r>
+              <a:rPr lang="en-US" dirty="0" smtClean="0"/>
+              <a:t>Web-</a:t>
+            </a:r>
             <a:r>
               <a:rPr lang="ru-RU" dirty="0" smtClean="0"/>
               <a:t>Проект</a:t>
@@ -2999,7 +3007,23 @@
             </a:br>
             <a:r>
               <a:rPr lang="ru-RU" dirty="0" smtClean="0"/>
-              <a:t>«Телеграм-бот»</a:t>
+              <a:t>«</a:t>
+            </a:r>
+            <a:r>
+              <a:rPr lang="ru-RU" dirty="0" err="1" smtClean="0"/>
+              <a:t>Телеграм</a:t>
+            </a:r>
+            <a:r>
+              <a:rPr lang="ru-RU" dirty="0" smtClean="0"/>
+              <a:t>-бот для менеджмента </a:t>
+            </a:r>
+            <a:r>
+              <a:rPr lang="ru-RU" dirty="0" err="1" smtClean="0"/>
+              <a:t>Яндекс.Диска</a:t>
+            </a:r>
+            <a:r>
+              <a:rPr lang="ru-RU" dirty="0" smtClean="0"/>
+              <a:t>»</a:t>
             </a:r>
             <a:endParaRPr lang="ru-RU" dirty="0"/>
           </a:p>
@@ -3182,93 +3206,6 @@
             <p:ph type="title"/>
           </p:nvPr>
         </p:nvSpPr>
-        <p:spPr>
-          <a:xfrm>
-            <a:off x="838200" y="139337"/>
-            <a:ext cx="10515600" cy="1084467"/>
-          </a:xfrm>
-        </p:spPr>
-        <p:txBody>
-          <a:bodyPr/>
-          <a:lstStyle/>
-          <a:p>
-            <a:r>
-              <a:rPr lang="ru-RU" dirty="0" smtClean="0"/>
-              <a:t>Схема взаимодействия </a:t>
-            </a:r>
-            <a:endParaRPr lang="ru-RU" dirty="0"/>
-          </a:p>
-        </p:txBody>
-      </p:sp>
-      <p:pic>
-        <p:nvPicPr>
-          <p:cNvPr id="4" name="Объект 3"/>
-          <p:cNvPicPr>
-            <a:picLocks noGrp="1" noChangeAspect="1"/>
-          </p:cNvPicPr>
-          <p:nvPr>
-            <p:ph idx="1"/>
-          </p:nvPr>
-        </p:nvPicPr>
-        <p:blipFill>
-          <a:blip r:embed="rId2">
-            <a:extLst>
-              <a:ext uri="{28A0092B-C50C-407E-A947-70E740481C1C}">
-                <a14:useLocalDpi xmlns:a14="http://schemas.microsoft.com/office/drawing/2010/main" val="0"/>
-              </a:ext>
-            </a:extLst>
-          </a:blip>
-          <a:stretch>
-            <a:fillRect/>
-          </a:stretch>
-        </p:blipFill>
-        <p:spPr>
-          <a:xfrm>
-            <a:off x="1158240" y="1223804"/>
-            <a:ext cx="10058400" cy="5657850"/>
-          </a:xfrm>
-        </p:spPr>
-      </p:pic>
-    </p:spTree>
-    <p:extLst>
-      <p:ext uri="{BB962C8B-B14F-4D97-AF65-F5344CB8AC3E}">
-        <p14:creationId xmlns:p14="http://schemas.microsoft.com/office/powerpoint/2010/main" val="1172743336"/>
-      </p:ext>
-    </p:extLst>
-  </p:cSld>
-  <p:clrMapOvr>
-    <a:masterClrMapping/>
-  </p:clrMapOvr>
-</p:sld>
-</file>
-
-<file path=ppt/slides/slide4.xml><?xml version="1.0" encoding="utf-8"?>
-<p:sld xmlns:a="http://schemas.openxmlformats.org/drawingml/2006/main" xmlns:r="http://schemas.openxmlformats.org/officeDocument/2006/relationships" xmlns:p="http://schemas.openxmlformats.org/presentationml/2006/main">
-  <p:cSld>
-    <p:spTree>
-      <p:nvGrpSpPr>
-        <p:cNvPr id="1" name=""/>
-        <p:cNvGrpSpPr/>
-        <p:nvPr/>
-      </p:nvGrpSpPr>
-      <p:grpSpPr>
-        <a:xfrm>
-          <a:off x="0" y="0"/>
-          <a:ext cx="0" cy="0"/>
-          <a:chOff x="0" y="0"/>
-          <a:chExt cx="0" cy="0"/>
-        </a:xfrm>
-      </p:grpSpPr>
-      <p:sp>
-        <p:nvSpPr>
-          <p:cNvPr id="2" name="Заголовок 1"/>
-          <p:cNvSpPr>
-            <a:spLocks noGrp="1"/>
-          </p:cNvSpPr>
-          <p:nvPr>
-            <p:ph type="title"/>
-          </p:nvPr>
-        </p:nvSpPr>
         <p:spPr/>
         <p:txBody>
           <a:bodyPr/>
@@ -3324,7 +3261,7 @@
 </p:sld>
 </file>
 
-<file path=ppt/slides/slide5.xml><?xml version="1.0" encoding="utf-8"?>
+<file path=ppt/slides/slide4.xml><?xml version="1.0" encoding="utf-8"?>
 <p:sld xmlns:a="http://schemas.openxmlformats.org/drawingml/2006/main" xmlns:r="http://schemas.openxmlformats.org/officeDocument/2006/relationships" xmlns:p="http://schemas.openxmlformats.org/presentationml/2006/main">
   <p:cSld>
     <p:spTree>
@@ -3387,8 +3324,19 @@
           <a:p>
             <a:r>
               <a:rPr lang="ru-RU" dirty="0" smtClean="0"/>
-              <a:t>Создать возможность работы бота в групповых чатах</a:t>
-            </a:r>
+              <a:t>Создать возможность работы бота в групповых </a:t>
+            </a:r>
+            <a:r>
+              <a:rPr lang="ru-RU" dirty="0" smtClean="0"/>
+              <a:t>чатах</a:t>
+            </a:r>
+          </a:p>
+          <a:p>
+            <a:r>
+              <a:rPr lang="ru-RU" dirty="0" smtClean="0"/>
+              <a:t>Добавить возможность делиться доступом к своему Диску с помощью этого бота</a:t>
+            </a:r>
+            <a:endParaRPr lang="ru-RU" dirty="0" smtClean="0"/>
           </a:p>
           <a:p>
             <a:endParaRPr lang="ru-RU" dirty="0"/>
@@ -3408,7 +3356,7 @@
 </p:sld>
 </file>
 
-<file path=ppt/slides/slide6.xml><?xml version="1.0" encoding="utf-8"?>
+<file path=ppt/slides/slide5.xml><?xml version="1.0" encoding="utf-8"?>
 <p:sld xmlns:a="http://schemas.openxmlformats.org/drawingml/2006/main" xmlns:r="http://schemas.openxmlformats.org/officeDocument/2006/relationships" xmlns:p="http://schemas.openxmlformats.org/presentationml/2006/main">
   <p:cSld>
     <p:spTree>
